--- a/templates/p1.pptx
+++ b/templates/p1.pptx
@@ -6,13 +6,14 @@
     <p:sldMasterId id="2147483660" r:id="rId2"/>
   </p:sldMasterIdLst>
   <p:handoutMasterIdLst>
-    <p:handoutMasterId r:id="rId7"/>
+    <p:handoutMasterId r:id="rId8"/>
   </p:handoutMasterIdLst>
   <p:sldIdLst>
     <p:sldId id="256" r:id="rId3"/>
     <p:sldId id="265" r:id="rId4"/>
-    <p:sldId id="266" r:id="rId5"/>
-    <p:sldId id="267" r:id="rId6"/>
+    <p:sldId id="268" r:id="rId5"/>
+    <p:sldId id="266" r:id="rId6"/>
+    <p:sldId id="267" r:id="rId7"/>
   </p:sldIdLst>
   <p:sldSz cx="9144000" cy="6858000" type="screen4x3"/>
   <p:notesSz cx="6858000" cy="9144000"/>
@@ -212,7 +213,7 @@
           <a:p>
             <a:fld id="{DBAE3B3E-782A-9745-8E84-372F7B6771BF}" type="datetimeFigureOut">
               <a:rPr lang="en-US" smtClean="0"/>
-              <a:t>7/21/16</a:t>
+              <a:t>8/22/16</a:t>
             </a:fld>
             <a:endParaRPr lang="en-US" dirty="0"/>
           </a:p>
@@ -964,7 +965,7 @@
           <a:p>
             <a:fld id="{462A2416-1570-3849-86F9-07F78746E1B2}" type="datetimeFigureOut">
               <a:rPr lang="en-US" smtClean="0"/>
-              <a:t>7/21/16</a:t>
+              <a:t>8/22/16</a:t>
             </a:fld>
             <a:endParaRPr lang="en-US" dirty="0"/>
           </a:p>
@@ -2322,8 +2323,13 @@
             <a:pPr algn="l"/>
             <a:r>
               <a:rPr lang="en-US" sz="2000" dirty="0" smtClean="0"/>
-              <a:t>Mentor #1: Joe Brown </a:t>
-            </a:r>
+              <a:t>Mentor #1: </a:t>
+            </a:r>
+            <a:r>
+              <a:rPr lang="en-US" sz="2000" dirty="0" smtClean="0"/>
+              <a:t>Bobby Brown </a:t>
+            </a:r>
+            <a:endParaRPr lang="en-US" sz="2000" dirty="0" smtClean="0"/>
           </a:p>
           <a:p>
             <a:pPr algn="l"/>
@@ -2493,7 +2499,7 @@
           <a:p>
             <a:r>
               <a:rPr lang="en-US" dirty="0" smtClean="0"/>
-              <a:t>Main research question</a:t>
+              <a:t>Related work</a:t>
             </a:r>
             <a:endParaRPr lang="en-US" dirty="0"/>
           </a:p>
@@ -2516,16 +2522,25 @@
           <a:p>
             <a:r>
               <a:rPr lang="en-US" dirty="0" smtClean="0"/>
-              <a:t>You can also add sub-questions </a:t>
+              <a:t>Present a quick overview of what has been done by others</a:t>
+            </a:r>
+          </a:p>
+          <a:p>
+            <a:r>
+              <a:rPr lang="en-US" dirty="0" smtClean="0"/>
+              <a:t>Explain where the “gaps” are for your problem</a:t>
             </a:r>
             <a:endParaRPr lang="en-US" dirty="0" smtClean="0"/>
+          </a:p>
+          <a:p>
+            <a:endParaRPr lang="en-US" dirty="0"/>
           </a:p>
         </p:txBody>
       </p:sp>
     </p:spTree>
     <p:extLst>
       <p:ext uri="{BB962C8B-B14F-4D97-AF65-F5344CB8AC3E}">
-        <p14:creationId xmlns:p14="http://schemas.microsoft.com/office/powerpoint/2010/main" val="1365936471"/>
+        <p14:creationId xmlns:p14="http://schemas.microsoft.com/office/powerpoint/2010/main" val="748040896"/>
       </p:ext>
     </p:extLst>
   </p:cSld>
@@ -2576,7 +2591,7 @@
           <a:p>
             <a:r>
               <a:rPr lang="en-US" dirty="0" smtClean="0"/>
-              <a:t>Methodology</a:t>
+              <a:t>Research questions</a:t>
             </a:r>
             <a:endParaRPr lang="en-US" dirty="0"/>
           </a:p>
@@ -2599,13 +2614,113 @@
           <a:p>
             <a:r>
               <a:rPr lang="en-US" dirty="0" smtClean="0"/>
-              <a:t>How do you plan to solve the problem?</a:t>
+              <a:t>One main research question</a:t>
             </a:r>
           </a:p>
           <a:p>
             <a:r>
               <a:rPr lang="en-US" dirty="0" smtClean="0"/>
-              <a:t>Briefly speaking about related work is also a good idea</a:t>
+              <a:t>And you </a:t>
+            </a:r>
+            <a:r>
+              <a:rPr lang="en-US" dirty="0" smtClean="0"/>
+              <a:t>can also add sub-questions </a:t>
+            </a:r>
+          </a:p>
+        </p:txBody>
+      </p:sp>
+    </p:spTree>
+    <p:extLst>
+      <p:ext uri="{BB962C8B-B14F-4D97-AF65-F5344CB8AC3E}">
+        <p14:creationId xmlns:p14="http://schemas.microsoft.com/office/powerpoint/2010/main" val="1365936471"/>
+      </p:ext>
+    </p:extLst>
+  </p:cSld>
+  <p:clrMapOvr>
+    <a:masterClrMapping/>
+  </p:clrMapOvr>
+  <p:timing>
+    <p:tnLst>
+      <p:par>
+        <p:cTn id="1" dur="indefinite" restart="never" nodeType="tmRoot"/>
+      </p:par>
+    </p:tnLst>
+  </p:timing>
+</p:sld>
+</file>
+
+<file path=ppt/slides/slide5.xml><?xml version="1.0" encoding="utf-8"?>
+<p:sld xmlns:a="http://schemas.openxmlformats.org/drawingml/2006/main" xmlns:r="http://schemas.openxmlformats.org/officeDocument/2006/relationships" xmlns:p="http://schemas.openxmlformats.org/presentationml/2006/main">
+  <p:cSld>
+    <p:spTree>
+      <p:nvGrpSpPr>
+        <p:cNvPr id="1" name=""/>
+        <p:cNvGrpSpPr/>
+        <p:nvPr/>
+      </p:nvGrpSpPr>
+      <p:grpSpPr>
+        <a:xfrm>
+          <a:off x="0" y="0"/>
+          <a:ext cx="0" cy="0"/>
+          <a:chOff x="0" y="0"/>
+          <a:chExt cx="0" cy="0"/>
+        </a:xfrm>
+      </p:grpSpPr>
+      <p:sp>
+        <p:nvSpPr>
+          <p:cNvPr id="2" name="Title 1"/>
+          <p:cNvSpPr>
+            <a:spLocks noGrp="1"/>
+          </p:cNvSpPr>
+          <p:nvPr>
+            <p:ph type="title"/>
+          </p:nvPr>
+        </p:nvSpPr>
+        <p:spPr/>
+        <p:txBody>
+          <a:bodyPr/>
+          <a:lstStyle/>
+          <a:p>
+            <a:r>
+              <a:rPr lang="en-US" dirty="0" smtClean="0"/>
+              <a:t>Methodology</a:t>
+            </a:r>
+            <a:endParaRPr lang="en-US" dirty="0"/>
+          </a:p>
+        </p:txBody>
+      </p:sp>
+      <p:sp>
+        <p:nvSpPr>
+          <p:cNvPr id="3" name="Content Placeholder 2"/>
+          <p:cNvSpPr>
+            <a:spLocks noGrp="1"/>
+          </p:cNvSpPr>
+          <p:nvPr>
+            <p:ph idx="1"/>
+          </p:nvPr>
+        </p:nvSpPr>
+        <p:spPr/>
+        <p:txBody>
+          <a:bodyPr/>
+          <a:lstStyle/>
+          <a:p>
+            <a:r>
+              <a:rPr lang="en-US" dirty="0" smtClean="0"/>
+              <a:t>How do you plan to solve the problem</a:t>
+            </a:r>
+            <a:r>
+              <a:rPr lang="en-US" dirty="0" smtClean="0"/>
+              <a:t>?</a:t>
+            </a:r>
+          </a:p>
+          <a:p>
+            <a:r>
+              <a:rPr lang="en-US" dirty="0" smtClean="0"/>
+              <a:t>What software? </a:t>
+            </a:r>
+            <a:r>
+              <a:rPr lang="en-US" smtClean="0"/>
+              <a:t>What input data?</a:t>
             </a:r>
             <a:endParaRPr lang="en-US" dirty="0" smtClean="0"/>
           </a:p>
